--- a/data-entry/Data Entry User Guide.pptx
+++ b/data-entry/Data Entry User Guide.pptx
@@ -201,7 +201,8 @@
           <a:p>
             <a:fld id="{7B08E2A7-482A-4E0F-9D31-D9A6C7FF47BA}" type="datetimeFigureOut">
               <a:rPr lang="en-US" smtClean="0"/>
-              <a:t>11/12/02</a:t>
+              <a:pPr/>
+              <a:t>12/6/2011</a:t>
             </a:fld>
             <a:endParaRPr lang="en-US"/>
           </a:p>
@@ -362,6 +363,7 @@
           <a:p>
             <a:fld id="{5FFCB117-D05B-4922-BC73-8A51833779B7}" type="slidenum">
               <a:rPr lang="en-US" smtClean="0"/>
+              <a:pPr/>
               <a:t>‹#›</a:t>
             </a:fld>
             <a:endParaRPr lang="en-US"/>
@@ -371,7 +373,7 @@
     </p:spTree>
     <p:extLst>
       <p:ext uri="{BB962C8B-B14F-4D97-AF65-F5344CB8AC3E}">
-        <p14:creationId xmlns:p14="http://schemas.microsoft.com/office/powerpoint/2010/main" val="4039450439"/>
+        <p14:creationId xmlns:p14="http://schemas.microsoft.com/office/powerpoint/2010/main" xmlns="" val="4039450439"/>
       </p:ext>
     </p:extLst>
   </p:cSld>
@@ -538,6 +540,7 @@
           <a:p>
             <a:fld id="{5FFCB117-D05B-4922-BC73-8A51833779B7}" type="slidenum">
               <a:rPr lang="en-US" smtClean="0"/>
+              <a:pPr/>
               <a:t>1</a:t>
             </a:fld>
             <a:endParaRPr lang="en-US"/>
@@ -619,6 +622,7 @@
           <a:p>
             <a:fld id="{5FFCB117-D05B-4922-BC73-8A51833779B7}" type="slidenum">
               <a:rPr lang="en-US" smtClean="0"/>
+              <a:pPr/>
               <a:t>10</a:t>
             </a:fld>
             <a:endParaRPr lang="en-US"/>
@@ -700,6 +704,7 @@
           <a:p>
             <a:fld id="{5FFCB117-D05B-4922-BC73-8A51833779B7}" type="slidenum">
               <a:rPr lang="en-US" smtClean="0"/>
+              <a:pPr/>
               <a:t>2</a:t>
             </a:fld>
             <a:endParaRPr lang="en-US"/>
@@ -781,6 +786,7 @@
           <a:p>
             <a:fld id="{5FFCB117-D05B-4922-BC73-8A51833779B7}" type="slidenum">
               <a:rPr lang="en-US" smtClean="0"/>
+              <a:pPr/>
               <a:t>3</a:t>
             </a:fld>
             <a:endParaRPr lang="en-US"/>
@@ -862,6 +868,7 @@
           <a:p>
             <a:fld id="{5FFCB117-D05B-4922-BC73-8A51833779B7}" type="slidenum">
               <a:rPr lang="en-US" smtClean="0"/>
+              <a:pPr/>
               <a:t>4</a:t>
             </a:fld>
             <a:endParaRPr lang="en-US"/>
@@ -943,6 +950,7 @@
           <a:p>
             <a:fld id="{5FFCB117-D05B-4922-BC73-8A51833779B7}" type="slidenum">
               <a:rPr lang="en-US" smtClean="0"/>
+              <a:pPr/>
               <a:t>5</a:t>
             </a:fld>
             <a:endParaRPr lang="en-US"/>
@@ -1024,6 +1032,7 @@
           <a:p>
             <a:fld id="{5FFCB117-D05B-4922-BC73-8A51833779B7}" type="slidenum">
               <a:rPr lang="en-US" smtClean="0"/>
+              <a:pPr/>
               <a:t>6</a:t>
             </a:fld>
             <a:endParaRPr lang="en-US"/>
@@ -1105,6 +1114,7 @@
           <a:p>
             <a:fld id="{5FFCB117-D05B-4922-BC73-8A51833779B7}" type="slidenum">
               <a:rPr lang="en-US" smtClean="0"/>
+              <a:pPr/>
               <a:t>7</a:t>
             </a:fld>
             <a:endParaRPr lang="en-US"/>
@@ -1186,6 +1196,7 @@
           <a:p>
             <a:fld id="{5FFCB117-D05B-4922-BC73-8A51833779B7}" type="slidenum">
               <a:rPr lang="en-US" smtClean="0"/>
+              <a:pPr/>
               <a:t>8</a:t>
             </a:fld>
             <a:endParaRPr lang="en-US"/>
@@ -1267,6 +1278,7 @@
           <a:p>
             <a:fld id="{5FFCB117-D05B-4922-BC73-8A51833779B7}" type="slidenum">
               <a:rPr lang="en-US" smtClean="0"/>
+              <a:pPr/>
               <a:t>9</a:t>
             </a:fld>
             <a:endParaRPr lang="en-US"/>
@@ -1572,7 +1584,8 @@
           <a:p>
             <a:fld id="{E0180C05-A843-4044-8E83-484B8A673CEE}" type="datetimeFigureOut">
               <a:rPr lang="en-US" smtClean="0"/>
-              <a:t>11/12/02</a:t>
+              <a:pPr/>
+              <a:t>12/6/2011</a:t>
             </a:fld>
             <a:endParaRPr lang="en-US"/>
           </a:p>
@@ -1640,6 +1653,7 @@
           <a:p>
             <a:fld id="{EC9D6EAB-28AF-4748-818A-B1B956321104}" type="slidenum">
               <a:rPr lang="en-US" smtClean="0"/>
+              <a:pPr/>
               <a:t>‹#›</a:t>
             </a:fld>
             <a:endParaRPr lang="en-US"/>
@@ -1763,7 +1777,8 @@
           <a:p>
             <a:fld id="{E0180C05-A843-4044-8E83-484B8A673CEE}" type="datetimeFigureOut">
               <a:rPr lang="en-US" smtClean="0"/>
-              <a:t>11/12/02</a:t>
+              <a:pPr/>
+              <a:t>12/6/2011</a:t>
             </a:fld>
             <a:endParaRPr lang="en-US"/>
           </a:p>
@@ -1805,6 +1820,7 @@
           <a:p>
             <a:fld id="{EC9D6EAB-28AF-4748-818A-B1B956321104}" type="slidenum">
               <a:rPr lang="en-US" smtClean="0"/>
+              <a:pPr/>
               <a:t>‹#›</a:t>
             </a:fld>
             <a:endParaRPr lang="en-US"/>
@@ -1948,7 +1964,8 @@
           <a:p>
             <a:fld id="{E0180C05-A843-4044-8E83-484B8A673CEE}" type="datetimeFigureOut">
               <a:rPr lang="en-US" smtClean="0"/>
-              <a:t>11/12/02</a:t>
+              <a:pPr/>
+              <a:t>12/6/2011</a:t>
             </a:fld>
             <a:endParaRPr lang="en-US"/>
           </a:p>
@@ -2135,6 +2152,7 @@
           <a:p>
             <a:fld id="{EC9D6EAB-28AF-4748-818A-B1B956321104}" type="slidenum">
               <a:rPr lang="en-US" smtClean="0"/>
+              <a:pPr/>
               <a:t>‹#›</a:t>
             </a:fld>
             <a:endParaRPr lang="en-US"/>
@@ -2211,7 +2229,8 @@
           <a:p>
             <a:fld id="{E0180C05-A843-4044-8E83-484B8A673CEE}" type="datetimeFigureOut">
               <a:rPr lang="en-US" smtClean="0"/>
-              <a:t>11/12/02</a:t>
+              <a:pPr/>
+              <a:t>12/6/2011</a:t>
             </a:fld>
             <a:endParaRPr lang="en-US"/>
           </a:p>
@@ -2261,6 +2280,7 @@
           <a:p>
             <a:fld id="{EC9D6EAB-28AF-4748-818A-B1B956321104}" type="slidenum">
               <a:rPr lang="en-US" smtClean="0"/>
+              <a:pPr/>
               <a:t>‹#›</a:t>
             </a:fld>
             <a:endParaRPr lang="en-US"/>
@@ -2627,7 +2647,8 @@
           <a:p>
             <a:fld id="{E0180C05-A843-4044-8E83-484B8A673CEE}" type="datetimeFigureOut">
               <a:rPr lang="en-US" smtClean="0"/>
-              <a:t>11/12/02</a:t>
+              <a:pPr/>
+              <a:t>12/6/2011</a:t>
             </a:fld>
             <a:endParaRPr lang="en-US"/>
           </a:p>
@@ -2665,6 +2686,7 @@
           <a:p>
             <a:fld id="{EC9D6EAB-28AF-4748-818A-B1B956321104}" type="slidenum">
               <a:rPr lang="en-US" smtClean="0"/>
+              <a:pPr/>
               <a:t>‹#›</a:t>
             </a:fld>
             <a:endParaRPr lang="en-US"/>
@@ -2869,7 +2891,8 @@
           <a:p>
             <a:fld id="{E0180C05-A843-4044-8E83-484B8A673CEE}" type="datetimeFigureOut">
               <a:rPr lang="en-US" smtClean="0"/>
-              <a:t>11/12/02</a:t>
+              <a:pPr/>
+              <a:t>12/6/2011</a:t>
             </a:fld>
             <a:endParaRPr lang="en-US"/>
           </a:p>
@@ -2892,6 +2915,7 @@
           <a:p>
             <a:fld id="{EC9D6EAB-28AF-4748-818A-B1B956321104}" type="slidenum">
               <a:rPr lang="en-US" smtClean="0"/>
+              <a:pPr/>
               <a:t>‹#›</a:t>
             </a:fld>
             <a:endParaRPr lang="en-US"/>
@@ -3105,7 +3129,8 @@
           <a:p>
             <a:fld id="{E0180C05-A843-4044-8E83-484B8A673CEE}" type="datetimeFigureOut">
               <a:rPr lang="en-US" smtClean="0"/>
-              <a:t>11/12/02</a:t>
+              <a:pPr/>
+              <a:t>12/6/2011</a:t>
             </a:fld>
             <a:endParaRPr lang="en-US"/>
           </a:p>
@@ -3128,6 +3153,7 @@
           <a:p>
             <a:fld id="{EC9D6EAB-28AF-4748-818A-B1B956321104}" type="slidenum">
               <a:rPr lang="en-US" smtClean="0"/>
+              <a:pPr/>
               <a:t>‹#›</a:t>
             </a:fld>
             <a:endParaRPr lang="en-US"/>
@@ -3300,7 +3326,8 @@
           <a:p>
             <a:fld id="{E0180C05-A843-4044-8E83-484B8A673CEE}" type="datetimeFigureOut">
               <a:rPr lang="en-US" smtClean="0"/>
-              <a:t>11/12/02</a:t>
+              <a:pPr/>
+              <a:t>12/6/2011</a:t>
             </a:fld>
             <a:endParaRPr lang="en-US"/>
           </a:p>
@@ -3350,6 +3377,7 @@
           <a:p>
             <a:fld id="{EC9D6EAB-28AF-4748-818A-B1B956321104}" type="slidenum">
               <a:rPr lang="en-US" smtClean="0"/>
+              <a:pPr/>
               <a:t>‹#›</a:t>
             </a:fld>
             <a:endParaRPr lang="en-US"/>
@@ -3398,7 +3426,8 @@
           <a:p>
             <a:fld id="{E0180C05-A843-4044-8E83-484B8A673CEE}" type="datetimeFigureOut">
               <a:rPr lang="en-US" smtClean="0"/>
-              <a:t>11/12/02</a:t>
+              <a:pPr/>
+              <a:t>12/6/2011</a:t>
             </a:fld>
             <a:endParaRPr lang="en-US"/>
           </a:p>
@@ -3453,6 +3482,7 @@
           <a:p>
             <a:fld id="{EC9D6EAB-28AF-4748-818A-B1B956321104}" type="slidenum">
               <a:rPr lang="en-US" smtClean="0"/>
+              <a:pPr/>
               <a:t>‹#›</a:t>
             </a:fld>
             <a:endParaRPr lang="en-US"/>
@@ -3534,7 +3564,8 @@
           <a:p>
             <a:fld id="{E0180C05-A843-4044-8E83-484B8A673CEE}" type="datetimeFigureOut">
               <a:rPr lang="en-US" smtClean="0"/>
-              <a:t>11/12/02</a:t>
+              <a:pPr/>
+              <a:t>12/6/2011</a:t>
             </a:fld>
             <a:endParaRPr lang="en-US"/>
           </a:p>
@@ -3584,6 +3615,7 @@
           <a:p>
             <a:fld id="{EC9D6EAB-28AF-4748-818A-B1B956321104}" type="slidenum">
               <a:rPr lang="en-US" smtClean="0"/>
+              <a:pPr/>
               <a:t>‹#›</a:t>
             </a:fld>
             <a:endParaRPr lang="en-US"/>
@@ -4052,7 +4084,8 @@
           <a:p>
             <a:fld id="{E0180C05-A843-4044-8E83-484B8A673CEE}" type="datetimeFigureOut">
               <a:rPr lang="en-US" smtClean="0"/>
-              <a:t>11/12/02</a:t>
+              <a:pPr/>
+              <a:t>12/6/2011</a:t>
             </a:fld>
             <a:endParaRPr lang="en-US"/>
           </a:p>
@@ -4084,6 +4117,7 @@
           <a:p>
             <a:fld id="{EC9D6EAB-28AF-4748-818A-B1B956321104}" type="slidenum">
               <a:rPr lang="en-US" smtClean="0"/>
+              <a:pPr/>
               <a:t>‹#›</a:t>
             </a:fld>
             <a:endParaRPr lang="en-US"/>
@@ -4313,7 +4347,8 @@
           <a:p>
             <a:fld id="{E0180C05-A843-4044-8E83-484B8A673CEE}" type="datetimeFigureOut">
               <a:rPr lang="en-US" smtClean="0"/>
-              <a:t>11/12/02</a:t>
+              <a:pPr/>
+              <a:t>12/6/2011</a:t>
             </a:fld>
             <a:endParaRPr lang="en-US"/>
           </a:p>
@@ -4531,6 +4566,7 @@
           <a:p>
             <a:fld id="{EC9D6EAB-28AF-4748-818A-B1B956321104}" type="slidenum">
               <a:rPr lang="en-US" smtClean="0"/>
+              <a:pPr/>
               <a:t>‹#›</a:t>
             </a:fld>
             <a:endParaRPr lang="en-US"/>
@@ -4906,7 +4942,7 @@
   <p:timing>
     <p:tnLst>
       <p:par>
-        <p:cTn xmlns:p14="http://schemas.microsoft.com/office/powerpoint/2010/main" id="1" dur="indefinite" restart="never" nodeType="tmRoot"/>
+        <p:cTn id="1" dur="indefinite" restart="never" nodeType="tmRoot"/>
       </p:par>
     </p:tnLst>
   </p:timing>
@@ -4957,27 +4993,159 @@
           </a:p>
         </p:txBody>
       </p:sp>
+      <p:sp>
+        <p:nvSpPr>
+          <p:cNvPr id="8" name="Rectangle 7"/>
+          <p:cNvSpPr/>
+          <p:nvPr/>
+        </p:nvSpPr>
+        <p:spPr>
+          <a:xfrm>
+            <a:off x="304800" y="5638800"/>
+            <a:ext cx="4572000" cy="646331"/>
+          </a:xfrm>
+          <a:prstGeom prst="rect">
+            <a:avLst/>
+          </a:prstGeom>
+        </p:spPr>
+        <p:txBody>
+          <a:bodyPr>
+            <a:spAutoFit/>
+          </a:bodyPr>
+          <a:lstStyle/>
+          <a:p>
+            <a:r>
+              <a:rPr lang="en-US" dirty="0" smtClean="0"/>
+              <a:t>Click on Add Item to this Menu on desired menu level</a:t>
+            </a:r>
+          </a:p>
+        </p:txBody>
+      </p:sp>
+      <p:sp>
+        <p:nvSpPr>
+          <p:cNvPr id="9" name="Rectangle 8"/>
+          <p:cNvSpPr/>
+          <p:nvPr/>
+        </p:nvSpPr>
+        <p:spPr>
+          <a:xfrm>
+            <a:off x="5410200" y="5456872"/>
+            <a:ext cx="3886200" cy="1477328"/>
+          </a:xfrm>
+          <a:prstGeom prst="rect">
+            <a:avLst/>
+          </a:prstGeom>
+        </p:spPr>
+        <p:txBody>
+          <a:bodyPr wrap="square">
+            <a:spAutoFit/>
+          </a:bodyPr>
+          <a:lstStyle/>
+          <a:p>
+            <a:r>
+              <a:rPr lang="en-US" dirty="0" smtClean="0"/>
+              <a:t>Type in Title</a:t>
+            </a:r>
+          </a:p>
+          <a:p>
+            <a:r>
+              <a:rPr lang="en-US" dirty="0" smtClean="0"/>
+              <a:t>Make sure </a:t>
+            </a:r>
+            <a:r>
+              <a:rPr lang="en-US" dirty="0" smtClean="0"/>
+              <a:t>“Use </a:t>
+            </a:r>
+            <a:r>
+              <a:rPr lang="en-US" dirty="0" smtClean="0"/>
+              <a:t>Existing </a:t>
+            </a:r>
+            <a:r>
+              <a:rPr lang="en-US" dirty="0" err="1" smtClean="0"/>
+              <a:t>Endpages</a:t>
+            </a:r>
+            <a:r>
+              <a:rPr lang="en-US" dirty="0" smtClean="0"/>
+              <a:t> is </a:t>
+            </a:r>
+            <a:r>
+              <a:rPr lang="en-US" dirty="0" smtClean="0"/>
+              <a:t>selected”</a:t>
+            </a:r>
+            <a:endParaRPr lang="en-US" dirty="0" smtClean="0"/>
+          </a:p>
+          <a:p>
+            <a:r>
+              <a:rPr lang="en-US" dirty="0" smtClean="0"/>
+              <a:t>Select an </a:t>
+            </a:r>
+            <a:r>
+              <a:rPr lang="en-US" dirty="0" err="1" smtClean="0"/>
+              <a:t>endpage</a:t>
+            </a:r>
+            <a:r>
+              <a:rPr lang="en-US" dirty="0" smtClean="0"/>
+              <a:t> from dropdown</a:t>
+            </a:r>
+          </a:p>
+          <a:p>
+            <a:r>
+              <a:rPr lang="en-US" dirty="0" smtClean="0"/>
+              <a:t>Click Submit</a:t>
+            </a:r>
+            <a:endParaRPr lang="en-US" dirty="0"/>
+          </a:p>
+        </p:txBody>
+      </p:sp>
       <p:pic>
         <p:nvPicPr>
-          <p:cNvPr id="4" name="Picture 4"/>
+          <p:cNvPr id="3" name="Picture 2" descr="スクリーンショット（2011-12-02 13.46.42）.png"/>
           <p:cNvPicPr>
-            <a:picLocks noGrp="1" noChangeAspect="1" noChangeArrowheads="1"/>
+            <a:picLocks noChangeAspect="1"/>
           </p:cNvPicPr>
-          <p:nvPr>
-            <p:ph sz="quarter" idx="1"/>
-          </p:nvPr>
+          <p:nvPr/>
         </p:nvPicPr>
         <p:blipFill>
-          <a:blip r:embed="rId3" cstate="print"/>
-          <a:srcRect l="6076" t="11458" r="49414" b="26042"/>
+          <a:blip r:embed="rId3" cstate="print">
+            <a:extLst>
+              <a:ext uri="{28A0092B-C50C-407E-A947-70E740481C1C}">
+                <a14:useLocalDpi xmlns:a14="http://schemas.microsoft.com/office/drawing/2010/main" xmlns="" val="0"/>
+              </a:ext>
+            </a:extLst>
+          </a:blip>
+          <a:stretch>
+            <a:fillRect/>
+          </a:stretch>
+        </p:blipFill>
+        <p:spPr>
+          <a:xfrm>
+            <a:off x="5486400" y="1600200"/>
+            <a:ext cx="3276600" cy="3969727"/>
+          </a:xfrm>
+          <a:prstGeom prst="rect">
+            <a:avLst/>
+          </a:prstGeom>
+        </p:spPr>
+      </p:pic>
+      <p:pic>
+        <p:nvPicPr>
+          <p:cNvPr id="11" name="Picture 2"/>
+          <p:cNvPicPr>
+            <a:picLocks noChangeAspect="1" noChangeArrowheads="1"/>
+          </p:cNvPicPr>
+          <p:nvPr/>
+        </p:nvPicPr>
+        <p:blipFill>
+          <a:blip r:embed="rId4" cstate="print"/>
+          <a:srcRect l="5857" t="12667" r="49800" b="20833"/>
           <a:stretch>
             <a:fillRect/>
           </a:stretch>
         </p:blipFill>
         <p:spPr bwMode="auto">
           <a:xfrm>
-            <a:off x="304800" y="1600200"/>
-            <a:ext cx="5019095" cy="3962400"/>
+            <a:off x="533400" y="1624106"/>
+            <a:ext cx="4419600" cy="3726329"/>
           </a:xfrm>
           <a:prstGeom prst="rect">
             <a:avLst/>
@@ -4993,13 +5161,13 @@
       </p:pic>
       <p:sp>
         <p:nvSpPr>
-          <p:cNvPr id="6" name="Oval 5"/>
+          <p:cNvPr id="7" name="Oval 6"/>
           <p:cNvSpPr/>
           <p:nvPr/>
         </p:nvSpPr>
         <p:spPr>
           <a:xfrm>
-            <a:off x="2819400" y="3276600"/>
+            <a:off x="533400" y="4038600"/>
             <a:ext cx="1752600" cy="533400"/>
           </a:xfrm>
           <a:prstGeom prst="ellipse">
@@ -5039,13 +5207,13 @@
       </p:sp>
       <p:sp>
         <p:nvSpPr>
-          <p:cNvPr id="7" name="Oval 6"/>
+          <p:cNvPr id="6" name="Oval 5"/>
           <p:cNvSpPr/>
           <p:nvPr/>
         </p:nvSpPr>
         <p:spPr>
           <a:xfrm>
-            <a:off x="381000" y="4343400"/>
+            <a:off x="2743200" y="3505200"/>
             <a:ext cx="1752600" cy="533400"/>
           </a:xfrm>
           <a:prstGeom prst="ellipse">
@@ -5083,127 +5251,6 @@
           </a:p>
         </p:txBody>
       </p:sp>
-      <p:sp>
-        <p:nvSpPr>
-          <p:cNvPr id="8" name="Rectangle 7"/>
-          <p:cNvSpPr/>
-          <p:nvPr/>
-        </p:nvSpPr>
-        <p:spPr>
-          <a:xfrm>
-            <a:off x="304800" y="5638800"/>
-            <a:ext cx="4572000" cy="646331"/>
-          </a:xfrm>
-          <a:prstGeom prst="rect">
-            <a:avLst/>
-          </a:prstGeom>
-        </p:spPr>
-        <p:txBody>
-          <a:bodyPr>
-            <a:spAutoFit/>
-          </a:bodyPr>
-          <a:lstStyle/>
-          <a:p>
-            <a:r>
-              <a:rPr lang="en-US" dirty="0" smtClean="0"/>
-              <a:t>Click on Add Item to this Menu on desired menu level</a:t>
-            </a:r>
-          </a:p>
-        </p:txBody>
-      </p:sp>
-      <p:sp>
-        <p:nvSpPr>
-          <p:cNvPr id="9" name="Rectangle 8"/>
-          <p:cNvSpPr/>
-          <p:nvPr/>
-        </p:nvSpPr>
-        <p:spPr>
-          <a:xfrm>
-            <a:off x="5410200" y="5456872"/>
-            <a:ext cx="3886200" cy="1477328"/>
-          </a:xfrm>
-          <a:prstGeom prst="rect">
-            <a:avLst/>
-          </a:prstGeom>
-        </p:spPr>
-        <p:txBody>
-          <a:bodyPr wrap="square">
-            <a:spAutoFit/>
-          </a:bodyPr>
-          <a:lstStyle/>
-          <a:p>
-            <a:r>
-              <a:rPr lang="en-US" dirty="0" smtClean="0"/>
-              <a:t>Type in Title</a:t>
-            </a:r>
-          </a:p>
-          <a:p>
-            <a:r>
-              <a:rPr lang="en-US" dirty="0" smtClean="0"/>
-              <a:t>Make sure Use Existing </a:t>
-            </a:r>
-            <a:r>
-              <a:rPr lang="en-US" dirty="0" err="1" smtClean="0"/>
-              <a:t>Endpages</a:t>
-            </a:r>
-            <a:r>
-              <a:rPr lang="en-US" dirty="0" smtClean="0"/>
-              <a:t> is selected</a:t>
-            </a:r>
-          </a:p>
-          <a:p>
-            <a:r>
-              <a:rPr lang="en-US" dirty="0" smtClean="0"/>
-              <a:t>Select an </a:t>
-            </a:r>
-            <a:r>
-              <a:rPr lang="en-US" dirty="0" err="1" smtClean="0"/>
-              <a:t>endpage</a:t>
-            </a:r>
-            <a:r>
-              <a:rPr lang="en-US" dirty="0" smtClean="0"/>
-              <a:t> from dropdown</a:t>
-            </a:r>
-          </a:p>
-          <a:p>
-            <a:r>
-              <a:rPr lang="en-US" dirty="0" smtClean="0"/>
-              <a:t>Click Submit</a:t>
-            </a:r>
-            <a:endParaRPr lang="en-US" dirty="0"/>
-          </a:p>
-        </p:txBody>
-      </p:sp>
-      <p:pic>
-        <p:nvPicPr>
-          <p:cNvPr id="3" name="Picture 2" descr="スクリーンショット（2011-12-02 13.46.42）.png"/>
-          <p:cNvPicPr>
-            <a:picLocks noChangeAspect="1"/>
-          </p:cNvPicPr>
-          <p:nvPr/>
-        </p:nvPicPr>
-        <p:blipFill>
-          <a:blip r:embed="rId4">
-            <a:extLst>
-              <a:ext uri="{28A0092B-C50C-407E-A947-70E740481C1C}">
-                <a14:useLocalDpi xmlns:a14="http://schemas.microsoft.com/office/drawing/2010/main" val="0"/>
-              </a:ext>
-            </a:extLst>
-          </a:blip>
-          <a:stretch>
-            <a:fillRect/>
-          </a:stretch>
-        </p:blipFill>
-        <p:spPr>
-          <a:xfrm>
-            <a:off x="5486400" y="1600200"/>
-            <a:ext cx="3276600" cy="3969727"/>
-          </a:xfrm>
-          <a:prstGeom prst="rect">
-            <a:avLst/>
-          </a:prstGeom>
-        </p:spPr>
-      </p:pic>
     </p:spTree>
   </p:cSld>
   <p:clrMapOvr>
@@ -5212,7 +5259,7 @@
   <p:timing>
     <p:tnLst>
       <p:par>
-        <p:cTn xmlns:p14="http://schemas.microsoft.com/office/powerpoint/2010/main" id="1" dur="indefinite" restart="never" nodeType="tmRoot"/>
+        <p:cTn id="1" dur="indefinite" restart="never" nodeType="tmRoot"/>
       </p:par>
     </p:tnLst>
   </p:timing>
@@ -5400,7 +5447,7 @@
   <p:timing>
     <p:tnLst>
       <p:par>
-        <p:cTn xmlns:p14="http://schemas.microsoft.com/office/powerpoint/2010/main" id="1" dur="indefinite" restart="never" nodeType="tmRoot"/>
+        <p:cTn id="1" dur="indefinite" restart="never" nodeType="tmRoot"/>
       </p:par>
     </p:tnLst>
   </p:timing>
@@ -5447,27 +5494,91 @@
           </a:p>
         </p:txBody>
       </p:sp>
+      <p:sp>
+        <p:nvSpPr>
+          <p:cNvPr id="11" name="TextBox 10"/>
+          <p:cNvSpPr txBox="1"/>
+          <p:nvPr/>
+        </p:nvSpPr>
+        <p:spPr>
+          <a:xfrm>
+            <a:off x="762000" y="5638800"/>
+            <a:ext cx="3429000" cy="369332"/>
+          </a:xfrm>
+          <a:prstGeom prst="rect">
+            <a:avLst/>
+          </a:prstGeom>
+          <a:noFill/>
+        </p:spPr>
+        <p:txBody>
+          <a:bodyPr wrap="square" rtlCol="0">
+            <a:spAutoFit/>
+          </a:bodyPr>
+          <a:lstStyle/>
+          <a:p>
+            <a:r>
+              <a:rPr lang="en-US" dirty="0" smtClean="0"/>
+              <a:t>Click on Edit Icon</a:t>
+            </a:r>
+            <a:endParaRPr lang="en-US" dirty="0"/>
+          </a:p>
+        </p:txBody>
+      </p:sp>
+      <p:sp>
+        <p:nvSpPr>
+          <p:cNvPr id="13" name="TextBox 12"/>
+          <p:cNvSpPr txBox="1"/>
+          <p:nvPr/>
+        </p:nvSpPr>
+        <p:spPr>
+          <a:xfrm>
+            <a:off x="4572000" y="5715000"/>
+            <a:ext cx="3352800" cy="646331"/>
+          </a:xfrm>
+          <a:prstGeom prst="rect">
+            <a:avLst/>
+          </a:prstGeom>
+          <a:noFill/>
+        </p:spPr>
+        <p:txBody>
+          <a:bodyPr wrap="square" rtlCol="0">
+            <a:spAutoFit/>
+          </a:bodyPr>
+          <a:lstStyle/>
+          <a:p>
+            <a:r>
+              <a:rPr lang="en-US" dirty="0" smtClean="0"/>
+              <a:t>Make changes</a:t>
+            </a:r>
+          </a:p>
+          <a:p>
+            <a:r>
+              <a:rPr lang="en-US" dirty="0" smtClean="0"/>
+              <a:t>Click on Save Icon</a:t>
+            </a:r>
+            <a:endParaRPr lang="en-US" dirty="0"/>
+          </a:p>
+        </p:txBody>
+      </p:sp>
       <p:pic>
         <p:nvPicPr>
-          <p:cNvPr id="1026" name="Picture 2"/>
+          <p:cNvPr id="2050" name="Picture 2"/>
           <p:cNvPicPr>
-            <a:picLocks noGrp="1" noChangeAspect="1" noChangeArrowheads="1"/>
+            <a:picLocks noChangeAspect="1" noChangeArrowheads="1"/>
           </p:cNvPicPr>
-          <p:nvPr>
-            <p:ph sz="quarter" idx="1"/>
-          </p:nvPr>
+          <p:nvPr/>
         </p:nvPicPr>
         <p:blipFill>
           <a:blip r:embed="rId3" cstate="print"/>
-          <a:srcRect l="6458" t="11785" r="71771" b="47808"/>
+          <a:srcRect l="5856" t="12266" r="71889" b="53125"/>
           <a:stretch>
             <a:fillRect/>
           </a:stretch>
         </p:blipFill>
         <p:spPr bwMode="auto">
           <a:xfrm>
-            <a:off x="685800" y="1676400"/>
-            <a:ext cx="3505200" cy="3657600"/>
+            <a:off x="4572000" y="1752600"/>
+            <a:ext cx="3908106" cy="3416968"/>
           </a:xfrm>
           <a:prstGeom prst="rect">
             <a:avLst/>
@@ -5483,14 +5594,14 @@
       </p:pic>
       <p:sp>
         <p:nvSpPr>
-          <p:cNvPr id="5" name="Oval 4"/>
+          <p:cNvPr id="10" name="Oval 9"/>
           <p:cNvSpPr/>
           <p:nvPr/>
         </p:nvSpPr>
         <p:spPr>
           <a:xfrm>
-            <a:off x="3276600" y="1676400"/>
-            <a:ext cx="762000" cy="609600"/>
+            <a:off x="7620000" y="2286000"/>
+            <a:ext cx="609600" cy="533400"/>
           </a:xfrm>
           <a:prstGeom prst="ellipse">
             <a:avLst/>
@@ -5529,14 +5640,14 @@
       </p:sp>
       <p:sp>
         <p:nvSpPr>
-          <p:cNvPr id="6" name="Oval 5"/>
+          <p:cNvPr id="9" name="Oval 8"/>
           <p:cNvSpPr/>
           <p:nvPr/>
         </p:nvSpPr>
         <p:spPr>
           <a:xfrm>
-            <a:off x="3276600" y="2667000"/>
-            <a:ext cx="762000" cy="609600"/>
+            <a:off x="7620000" y="1676400"/>
+            <a:ext cx="609600" cy="533400"/>
           </a:xfrm>
           <a:prstGeom prst="ellipse">
             <a:avLst/>
@@ -5575,7 +5686,7 @@
       </p:sp>
       <p:pic>
         <p:nvPicPr>
-          <p:cNvPr id="1028" name="Picture 4"/>
+          <p:cNvPr id="18" name="Picture 2"/>
           <p:cNvPicPr>
             <a:picLocks noChangeAspect="1" noChangeArrowheads="1"/>
           </p:cNvPicPr>
@@ -5583,15 +5694,15 @@
         </p:nvPicPr>
         <p:blipFill>
           <a:blip r:embed="rId4" cstate="print"/>
-          <a:srcRect l="6076" t="11458" r="71669" b="46875"/>
+          <a:srcRect l="6089" t="11865" r="71920" b="53374"/>
           <a:stretch>
             <a:fillRect/>
           </a:stretch>
         </p:blipFill>
         <p:spPr bwMode="auto">
           <a:xfrm>
-            <a:off x="4495800" y="1676400"/>
-            <a:ext cx="3402330" cy="3581400"/>
+            <a:off x="762000" y="1752600"/>
+            <a:ext cx="3647872" cy="3429000"/>
           </a:xfrm>
           <a:prstGeom prst="rect">
             <a:avLst/>
@@ -5607,14 +5718,14 @@
       </p:pic>
       <p:sp>
         <p:nvSpPr>
-          <p:cNvPr id="9" name="Oval 8"/>
+          <p:cNvPr id="6" name="Oval 5"/>
           <p:cNvSpPr/>
           <p:nvPr/>
         </p:nvSpPr>
         <p:spPr>
           <a:xfrm>
-            <a:off x="7086600" y="2667000"/>
-            <a:ext cx="762000" cy="609600"/>
+            <a:off x="3581400" y="2286000"/>
+            <a:ext cx="533400" cy="533400"/>
           </a:xfrm>
           <a:prstGeom prst="ellipse">
             <a:avLst/>
@@ -5653,14 +5764,14 @@
       </p:sp>
       <p:sp>
         <p:nvSpPr>
-          <p:cNvPr id="10" name="Oval 9"/>
+          <p:cNvPr id="5" name="Oval 4"/>
           <p:cNvSpPr/>
           <p:nvPr/>
         </p:nvSpPr>
         <p:spPr>
           <a:xfrm>
-            <a:off x="6934200" y="1600200"/>
-            <a:ext cx="762000" cy="609600"/>
+            <a:off x="3505200" y="1752600"/>
+            <a:ext cx="609600" cy="533400"/>
           </a:xfrm>
           <a:prstGeom prst="ellipse">
             <a:avLst/>
@@ -5697,72 +5808,6 @@
           </a:p>
         </p:txBody>
       </p:sp>
-      <p:sp>
-        <p:nvSpPr>
-          <p:cNvPr id="11" name="TextBox 10"/>
-          <p:cNvSpPr txBox="1"/>
-          <p:nvPr/>
-        </p:nvSpPr>
-        <p:spPr>
-          <a:xfrm>
-            <a:off x="762000" y="5638800"/>
-            <a:ext cx="3429000" cy="369332"/>
-          </a:xfrm>
-          <a:prstGeom prst="rect">
-            <a:avLst/>
-          </a:prstGeom>
-          <a:noFill/>
-        </p:spPr>
-        <p:txBody>
-          <a:bodyPr wrap="square" rtlCol="0">
-            <a:spAutoFit/>
-          </a:bodyPr>
-          <a:lstStyle/>
-          <a:p>
-            <a:r>
-              <a:rPr lang="en-US" dirty="0" smtClean="0"/>
-              <a:t>Click on Edit Icon</a:t>
-            </a:r>
-            <a:endParaRPr lang="en-US" dirty="0"/>
-          </a:p>
-        </p:txBody>
-      </p:sp>
-      <p:sp>
-        <p:nvSpPr>
-          <p:cNvPr id="13" name="TextBox 12"/>
-          <p:cNvSpPr txBox="1"/>
-          <p:nvPr/>
-        </p:nvSpPr>
-        <p:spPr>
-          <a:xfrm>
-            <a:off x="4572000" y="5715000"/>
-            <a:ext cx="3352800" cy="646331"/>
-          </a:xfrm>
-          <a:prstGeom prst="rect">
-            <a:avLst/>
-          </a:prstGeom>
-          <a:noFill/>
-        </p:spPr>
-        <p:txBody>
-          <a:bodyPr wrap="square" rtlCol="0">
-            <a:spAutoFit/>
-          </a:bodyPr>
-          <a:lstStyle/>
-          <a:p>
-            <a:r>
-              <a:rPr lang="en-US" dirty="0" smtClean="0"/>
-              <a:t>Make changes</a:t>
-            </a:r>
-          </a:p>
-          <a:p>
-            <a:r>
-              <a:rPr lang="en-US" dirty="0" smtClean="0"/>
-              <a:t>Click on Save Icon</a:t>
-            </a:r>
-            <a:endParaRPr lang="en-US" dirty="0"/>
-          </a:p>
-        </p:txBody>
-      </p:sp>
     </p:spTree>
   </p:cSld>
   <p:clrMapOvr>
@@ -5771,7 +5816,7 @@
   <p:timing>
     <p:tnLst>
       <p:par>
-        <p:cTn xmlns:p14="http://schemas.microsoft.com/office/powerpoint/2010/main" id="1" dur="indefinite" restart="never" nodeType="tmRoot"/>
+        <p:cTn id="1" dur="indefinite" restart="never" nodeType="tmRoot"/>
       </p:par>
     </p:tnLst>
   </p:timing>
@@ -5818,9 +5863,39 @@
           </a:p>
         </p:txBody>
       </p:sp>
+      <p:sp>
+        <p:nvSpPr>
+          <p:cNvPr id="8" name="TextBox 7"/>
+          <p:cNvSpPr txBox="1"/>
+          <p:nvPr/>
+        </p:nvSpPr>
+        <p:spPr>
+          <a:xfrm>
+            <a:off x="2286000" y="5638800"/>
+            <a:ext cx="3581400" cy="646331"/>
+          </a:xfrm>
+          <a:prstGeom prst="rect">
+            <a:avLst/>
+          </a:prstGeom>
+          <a:noFill/>
+        </p:spPr>
+        <p:txBody>
+          <a:bodyPr wrap="square" rtlCol="0">
+            <a:spAutoFit/>
+          </a:bodyPr>
+          <a:lstStyle/>
+          <a:p>
+            <a:r>
+              <a:rPr lang="en-US" dirty="0" smtClean="0"/>
+              <a:t>Click on Up and Down arrows to change order of menu items</a:t>
+            </a:r>
+            <a:endParaRPr lang="en-US" dirty="0"/>
+          </a:p>
+        </p:txBody>
+      </p:sp>
       <p:pic>
         <p:nvPicPr>
-          <p:cNvPr id="2050" name="Picture 2"/>
+          <p:cNvPr id="1026" name="Picture 2"/>
           <p:cNvPicPr>
             <a:picLocks noGrp="1" noChangeAspect="1" noChangeArrowheads="1"/>
           </p:cNvPicPr>
@@ -5830,15 +5905,15 @@
         </p:nvPicPr>
         <p:blipFill>
           <a:blip r:embed="rId3" cstate="print"/>
-          <a:srcRect l="6458" t="11785" r="71771" b="47808"/>
+          <a:srcRect l="6089" t="11865" r="71920" b="53374"/>
           <a:stretch>
             <a:fillRect/>
           </a:stretch>
         </p:blipFill>
         <p:spPr bwMode="auto">
           <a:xfrm>
-            <a:off x="2286000" y="1676400"/>
-            <a:ext cx="3505200" cy="3657600"/>
+            <a:off x="2209800" y="1752600"/>
+            <a:ext cx="3810000" cy="3581400"/>
           </a:xfrm>
           <a:prstGeom prst="rect">
             <a:avLst/>
@@ -5860,8 +5935,8 @@
         </p:nvSpPr>
         <p:spPr>
           <a:xfrm>
-            <a:off x="3733800" y="2667000"/>
-            <a:ext cx="990600" cy="609600"/>
+            <a:off x="4038600" y="2362200"/>
+            <a:ext cx="762000" cy="609600"/>
           </a:xfrm>
           <a:prstGeom prst="ellipse">
             <a:avLst/>
@@ -5898,36 +5973,6 @@
           </a:p>
         </p:txBody>
       </p:sp>
-      <p:sp>
-        <p:nvSpPr>
-          <p:cNvPr id="8" name="TextBox 7"/>
-          <p:cNvSpPr txBox="1"/>
-          <p:nvPr/>
-        </p:nvSpPr>
-        <p:spPr>
-          <a:xfrm>
-            <a:off x="2286000" y="5638800"/>
-            <a:ext cx="3581400" cy="646331"/>
-          </a:xfrm>
-          <a:prstGeom prst="rect">
-            <a:avLst/>
-          </a:prstGeom>
-          <a:noFill/>
-        </p:spPr>
-        <p:txBody>
-          <a:bodyPr wrap="square" rtlCol="0">
-            <a:spAutoFit/>
-          </a:bodyPr>
-          <a:lstStyle/>
-          <a:p>
-            <a:r>
-              <a:rPr lang="en-US" dirty="0" smtClean="0"/>
-              <a:t>Click on Up and Down arrows to change order of menu items</a:t>
-            </a:r>
-            <a:endParaRPr lang="en-US" dirty="0"/>
-          </a:p>
-        </p:txBody>
-      </p:sp>
     </p:spTree>
   </p:cSld>
   <p:clrMapOvr>
@@ -5936,7 +5981,7 @@
   <p:timing>
     <p:tnLst>
       <p:par>
-        <p:cTn xmlns:p14="http://schemas.microsoft.com/office/powerpoint/2010/main" id="1" dur="indefinite" restart="never" nodeType="tmRoot"/>
+        <p:cTn id="1" dur="indefinite" restart="never" nodeType="tmRoot"/>
       </p:par>
     </p:tnLst>
   </p:timing>
@@ -5985,25 +6030,23 @@
       </p:sp>
       <p:pic>
         <p:nvPicPr>
-          <p:cNvPr id="6" name="Picture 2"/>
+          <p:cNvPr id="3076" name="Picture 4"/>
           <p:cNvPicPr>
-            <a:picLocks noGrp="1" noChangeAspect="1" noChangeArrowheads="1"/>
+            <a:picLocks noChangeAspect="1" noChangeArrowheads="1"/>
           </p:cNvPicPr>
-          <p:nvPr>
-            <p:ph sz="quarter" idx="1"/>
-          </p:nvPr>
+          <p:nvPr/>
         </p:nvPicPr>
         <p:blipFill>
           <a:blip r:embed="rId3" cstate="print"/>
-          <a:srcRect l="6458" t="11785" r="71771" b="47808"/>
+          <a:srcRect l="38287" t="17708" r="33602" b="38542"/>
           <a:stretch>
             <a:fillRect/>
           </a:stretch>
         </p:blipFill>
         <p:spPr bwMode="auto">
           <a:xfrm>
-            <a:off x="914400" y="1676400"/>
-            <a:ext cx="3432132" cy="3581400"/>
+            <a:off x="4572000" y="1828800"/>
+            <a:ext cx="3657600" cy="3200400"/>
           </a:xfrm>
           <a:prstGeom prst="rect">
             <a:avLst/>
@@ -6019,14 +6062,106 @@
       </p:pic>
       <p:sp>
         <p:nvSpPr>
+          <p:cNvPr id="10" name="TextBox 9"/>
+          <p:cNvSpPr txBox="1"/>
+          <p:nvPr/>
+        </p:nvSpPr>
+        <p:spPr>
+          <a:xfrm>
+            <a:off x="990600" y="5486400"/>
+            <a:ext cx="3429000" cy="369332"/>
+          </a:xfrm>
+          <a:prstGeom prst="rect">
+            <a:avLst/>
+          </a:prstGeom>
+          <a:noFill/>
+        </p:spPr>
+        <p:txBody>
+          <a:bodyPr wrap="square" rtlCol="0">
+            <a:spAutoFit/>
+          </a:bodyPr>
+          <a:lstStyle/>
+          <a:p>
+            <a:r>
+              <a:rPr lang="en-US" dirty="0" smtClean="0"/>
+              <a:t>Click on Trash Icon</a:t>
+            </a:r>
+            <a:endParaRPr lang="en-US" dirty="0"/>
+          </a:p>
+        </p:txBody>
+      </p:sp>
+      <p:sp>
+        <p:nvSpPr>
+          <p:cNvPr id="12" name="TextBox 11"/>
+          <p:cNvSpPr txBox="1"/>
+          <p:nvPr/>
+        </p:nvSpPr>
+        <p:spPr>
+          <a:xfrm>
+            <a:off x="4724400" y="5486400"/>
+            <a:ext cx="3276600" cy="381000"/>
+          </a:xfrm>
+          <a:prstGeom prst="rect">
+            <a:avLst/>
+          </a:prstGeom>
+          <a:noFill/>
+        </p:spPr>
+        <p:txBody>
+          <a:bodyPr wrap="square" rtlCol="0">
+            <a:spAutoFit/>
+          </a:bodyPr>
+          <a:lstStyle/>
+          <a:p>
+            <a:r>
+              <a:rPr lang="en-US" dirty="0" smtClean="0"/>
+              <a:t>Confirm Deletion</a:t>
+            </a:r>
+            <a:endParaRPr lang="en-US" dirty="0"/>
+          </a:p>
+        </p:txBody>
+      </p:sp>
+      <p:pic>
+        <p:nvPicPr>
+          <p:cNvPr id="11" name="Picture 2"/>
+          <p:cNvPicPr>
+            <a:picLocks noChangeAspect="1" noChangeArrowheads="1"/>
+          </p:cNvPicPr>
+          <p:nvPr/>
+        </p:nvPicPr>
+        <p:blipFill>
+          <a:blip r:embed="rId4" cstate="print"/>
+          <a:srcRect l="6089" t="11865" r="71920" b="53374"/>
+          <a:stretch>
+            <a:fillRect/>
+          </a:stretch>
+        </p:blipFill>
+        <p:spPr bwMode="auto">
+          <a:xfrm>
+            <a:off x="304800" y="1752600"/>
+            <a:ext cx="3647872" cy="3429000"/>
+          </a:xfrm>
+          <a:prstGeom prst="rect">
+            <a:avLst/>
+          </a:prstGeom>
+          <a:noFill/>
+          <a:ln w="9525">
+            <a:noFill/>
+            <a:miter lim="800000"/>
+            <a:headEnd/>
+            <a:tailEnd/>
+          </a:ln>
+        </p:spPr>
+      </p:pic>
+      <p:sp>
+        <p:nvSpPr>
           <p:cNvPr id="7" name="Oval 6"/>
           <p:cNvSpPr/>
           <p:nvPr/>
         </p:nvSpPr>
         <p:spPr>
           <a:xfrm>
-            <a:off x="3200400" y="2743200"/>
-            <a:ext cx="457200" cy="457200"/>
+            <a:off x="2667000" y="2895600"/>
+            <a:ext cx="609600" cy="457200"/>
           </a:xfrm>
           <a:prstGeom prst="ellipse">
             <a:avLst/>
@@ -6063,98 +6198,6 @@
           </a:p>
         </p:txBody>
       </p:sp>
-      <p:pic>
-        <p:nvPicPr>
-          <p:cNvPr id="3076" name="Picture 4"/>
-          <p:cNvPicPr>
-            <a:picLocks noChangeAspect="1" noChangeArrowheads="1"/>
-          </p:cNvPicPr>
-          <p:nvPr/>
-        </p:nvPicPr>
-        <p:blipFill>
-          <a:blip r:embed="rId4" cstate="print"/>
-          <a:srcRect l="38287" t="17708" r="33602" b="38542"/>
-          <a:stretch>
-            <a:fillRect/>
-          </a:stretch>
-        </p:blipFill>
-        <p:spPr bwMode="auto">
-          <a:xfrm>
-            <a:off x="4572000" y="1828800"/>
-            <a:ext cx="3657600" cy="3200400"/>
-          </a:xfrm>
-          <a:prstGeom prst="rect">
-            <a:avLst/>
-          </a:prstGeom>
-          <a:noFill/>
-          <a:ln w="9525">
-            <a:noFill/>
-            <a:miter lim="800000"/>
-            <a:headEnd/>
-            <a:tailEnd/>
-          </a:ln>
-        </p:spPr>
-      </p:pic>
-      <p:sp>
-        <p:nvSpPr>
-          <p:cNvPr id="10" name="TextBox 9"/>
-          <p:cNvSpPr txBox="1"/>
-          <p:nvPr/>
-        </p:nvSpPr>
-        <p:spPr>
-          <a:xfrm>
-            <a:off x="990600" y="5486400"/>
-            <a:ext cx="3429000" cy="369332"/>
-          </a:xfrm>
-          <a:prstGeom prst="rect">
-            <a:avLst/>
-          </a:prstGeom>
-          <a:noFill/>
-        </p:spPr>
-        <p:txBody>
-          <a:bodyPr wrap="square" rtlCol="0">
-            <a:spAutoFit/>
-          </a:bodyPr>
-          <a:lstStyle/>
-          <a:p>
-            <a:r>
-              <a:rPr lang="en-US" dirty="0" smtClean="0"/>
-              <a:t>Click on Trash Icon</a:t>
-            </a:r>
-            <a:endParaRPr lang="en-US" dirty="0"/>
-          </a:p>
-        </p:txBody>
-      </p:sp>
-      <p:sp>
-        <p:nvSpPr>
-          <p:cNvPr id="12" name="TextBox 11"/>
-          <p:cNvSpPr txBox="1"/>
-          <p:nvPr/>
-        </p:nvSpPr>
-        <p:spPr>
-          <a:xfrm>
-            <a:off x="4724400" y="5486400"/>
-            <a:ext cx="3276600" cy="381000"/>
-          </a:xfrm>
-          <a:prstGeom prst="rect">
-            <a:avLst/>
-          </a:prstGeom>
-          <a:noFill/>
-        </p:spPr>
-        <p:txBody>
-          <a:bodyPr wrap="square" rtlCol="0">
-            <a:spAutoFit/>
-          </a:bodyPr>
-          <a:lstStyle/>
-          <a:p>
-            <a:r>
-              <a:rPr lang="en-US" dirty="0" smtClean="0"/>
-              <a:t>Confirm Deletion</a:t>
-            </a:r>
-            <a:endParaRPr lang="en-US" dirty="0"/>
-          </a:p>
-        </p:txBody>
-      </p:sp>
     </p:spTree>
   </p:cSld>
   <p:clrMapOvr>
@@ -6163,7 +6206,7 @@
   <p:timing>
     <p:tnLst>
       <p:par>
-        <p:cTn xmlns:p14="http://schemas.microsoft.com/office/powerpoint/2010/main" id="1" dur="indefinite" restart="never" nodeType="tmRoot"/>
+        <p:cTn id="1" dur="indefinite" restart="never" nodeType="tmRoot"/>
       </p:par>
     </p:tnLst>
   </p:timing>
@@ -6218,27 +6261,93 @@
           </a:p>
         </p:txBody>
       </p:sp>
+      <p:sp>
+        <p:nvSpPr>
+          <p:cNvPr id="6" name="TextBox 5"/>
+          <p:cNvSpPr txBox="1"/>
+          <p:nvPr/>
+        </p:nvSpPr>
+        <p:spPr>
+          <a:xfrm>
+            <a:off x="304800" y="6019800"/>
+            <a:ext cx="4724400" cy="646331"/>
+          </a:xfrm>
+          <a:prstGeom prst="rect">
+            <a:avLst/>
+          </a:prstGeom>
+          <a:noFill/>
+        </p:spPr>
+        <p:txBody>
+          <a:bodyPr wrap="square" rtlCol="0">
+            <a:spAutoFit/>
+          </a:bodyPr>
+          <a:lstStyle/>
+          <a:p>
+            <a:r>
+              <a:rPr lang="en-US" dirty="0" smtClean="0"/>
+              <a:t>Navigate to end page</a:t>
+            </a:r>
+          </a:p>
+          <a:p>
+            <a:r>
+              <a:rPr lang="en-US" dirty="0" smtClean="0"/>
+              <a:t>Click on Edit button</a:t>
+            </a:r>
+            <a:endParaRPr lang="en-US" dirty="0"/>
+          </a:p>
+        </p:txBody>
+      </p:sp>
+      <p:sp>
+        <p:nvSpPr>
+          <p:cNvPr id="8" name="TextBox 7"/>
+          <p:cNvSpPr txBox="1"/>
+          <p:nvPr/>
+        </p:nvSpPr>
+        <p:spPr>
+          <a:xfrm>
+            <a:off x="5867400" y="6172200"/>
+            <a:ext cx="2819400" cy="923330"/>
+          </a:xfrm>
+          <a:prstGeom prst="rect">
+            <a:avLst/>
+          </a:prstGeom>
+          <a:noFill/>
+        </p:spPr>
+        <p:txBody>
+          <a:bodyPr wrap="square" rtlCol="0">
+            <a:spAutoFit/>
+          </a:bodyPr>
+          <a:lstStyle/>
+          <a:p>
+            <a:r>
+              <a:rPr lang="en-US" dirty="0" smtClean="0"/>
+              <a:t>Make changes and click on save button</a:t>
+            </a:r>
+          </a:p>
+          <a:p>
+            <a:endParaRPr lang="en-US" dirty="0"/>
+          </a:p>
+        </p:txBody>
+      </p:sp>
       <p:pic>
         <p:nvPicPr>
-          <p:cNvPr id="4098" name="Picture 2"/>
+          <p:cNvPr id="3074" name="Picture 2"/>
           <p:cNvPicPr>
-            <a:picLocks noGrp="1" noChangeAspect="1" noChangeArrowheads="1"/>
+            <a:picLocks noChangeAspect="1" noChangeArrowheads="1"/>
           </p:cNvPicPr>
-          <p:nvPr>
-            <p:ph sz="quarter" idx="1"/>
-          </p:nvPr>
+          <p:nvPr/>
         </p:nvPicPr>
         <p:blipFill>
           <a:blip r:embed="rId3" cstate="print"/>
-          <a:srcRect l="6458" t="11785" r="27282" b="7401"/>
+          <a:srcRect l="5857" t="12667" r="27379" b="20833"/>
           <a:stretch>
             <a:fillRect/>
           </a:stretch>
         </p:blipFill>
         <p:spPr bwMode="auto">
           <a:xfrm>
-            <a:off x="304800" y="2057400"/>
-            <a:ext cx="5334000" cy="3657600"/>
+            <a:off x="228600" y="2057400"/>
+            <a:ext cx="5851137" cy="3276600"/>
           </a:xfrm>
           <a:prstGeom prst="rect">
             <a:avLst/>
@@ -6252,74 +6361,6 @@
           </a:ln>
         </p:spPr>
       </p:pic>
-      <p:pic>
-        <p:nvPicPr>
-          <p:cNvPr id="4099" name="Picture 3"/>
-          <p:cNvPicPr>
-            <a:picLocks noChangeAspect="1" noChangeArrowheads="1"/>
-          </p:cNvPicPr>
-          <p:nvPr/>
-        </p:nvPicPr>
-        <p:blipFill>
-          <a:blip r:embed="rId4" cstate="print"/>
-          <a:srcRect l="50586" t="12500" r="27159" b="7292"/>
-          <a:stretch>
-            <a:fillRect/>
-          </a:stretch>
-        </p:blipFill>
-        <p:spPr bwMode="auto">
-          <a:xfrm>
-            <a:off x="5943600" y="1600200"/>
-            <a:ext cx="2209800" cy="4477752"/>
-          </a:xfrm>
-          <a:prstGeom prst="rect">
-            <a:avLst/>
-          </a:prstGeom>
-          <a:noFill/>
-          <a:ln w="9525">
-            <a:noFill/>
-            <a:miter lim="800000"/>
-            <a:headEnd/>
-            <a:tailEnd/>
-          </a:ln>
-        </p:spPr>
-      </p:pic>
-      <p:sp>
-        <p:nvSpPr>
-          <p:cNvPr id="6" name="TextBox 5"/>
-          <p:cNvSpPr txBox="1"/>
-          <p:nvPr/>
-        </p:nvSpPr>
-        <p:spPr>
-          <a:xfrm>
-            <a:off x="304800" y="6019800"/>
-            <a:ext cx="4724400" cy="646331"/>
-          </a:xfrm>
-          <a:prstGeom prst="rect">
-            <a:avLst/>
-          </a:prstGeom>
-          <a:noFill/>
-        </p:spPr>
-        <p:txBody>
-          <a:bodyPr wrap="square" rtlCol="0">
-            <a:spAutoFit/>
-          </a:bodyPr>
-          <a:lstStyle/>
-          <a:p>
-            <a:r>
-              <a:rPr lang="en-US" dirty="0" smtClean="0"/>
-              <a:t>Navigate to end page</a:t>
-            </a:r>
-          </a:p>
-          <a:p>
-            <a:r>
-              <a:rPr lang="en-US" dirty="0" smtClean="0"/>
-              <a:t>Click on Edit button</a:t>
-            </a:r>
-            <a:endParaRPr lang="en-US" dirty="0"/>
-          </a:p>
-        </p:txBody>
-      </p:sp>
       <p:sp>
         <p:nvSpPr>
           <p:cNvPr id="7" name="Oval 6"/>
@@ -6328,7 +6369,7 @@
         </p:nvSpPr>
         <p:spPr>
           <a:xfrm>
-            <a:off x="3810000" y="2514600"/>
+            <a:off x="4114800" y="2209800"/>
             <a:ext cx="533400" cy="304800"/>
           </a:xfrm>
           <a:prstGeom prst="ellipse">
@@ -6366,38 +6407,38 @@
           </a:p>
         </p:txBody>
       </p:sp>
-      <p:sp>
-        <p:nvSpPr>
-          <p:cNvPr id="8" name="TextBox 7"/>
-          <p:cNvSpPr txBox="1"/>
+      <p:pic>
+        <p:nvPicPr>
+          <p:cNvPr id="3075" name="Picture 3"/>
+          <p:cNvPicPr>
+            <a:picLocks noChangeAspect="1" noChangeArrowheads="1"/>
+          </p:cNvPicPr>
           <p:nvPr/>
-        </p:nvSpPr>
-        <p:spPr>
-          <a:xfrm>
-            <a:off x="5867400" y="6172200"/>
-            <a:ext cx="2819400" cy="923330"/>
+        </p:nvPicPr>
+        <p:blipFill>
+          <a:blip r:embed="rId4" cstate="print"/>
+          <a:srcRect l="50952" t="12500" r="27379" b="12500"/>
+          <a:stretch>
+            <a:fillRect/>
+          </a:stretch>
+        </p:blipFill>
+        <p:spPr bwMode="auto">
+          <a:xfrm>
+            <a:off x="6248400" y="1676400"/>
+            <a:ext cx="2114550" cy="4114800"/>
           </a:xfrm>
           <a:prstGeom prst="rect">
             <a:avLst/>
           </a:prstGeom>
           <a:noFill/>
-        </p:spPr>
-        <p:txBody>
-          <a:bodyPr wrap="square" rtlCol="0">
-            <a:spAutoFit/>
-          </a:bodyPr>
-          <a:lstStyle/>
-          <a:p>
-            <a:r>
-              <a:rPr lang="en-US" dirty="0" smtClean="0"/>
-              <a:t>Make changes and click on save button</a:t>
-            </a:r>
-          </a:p>
-          <a:p>
-            <a:endParaRPr lang="en-US" dirty="0"/>
-          </a:p>
-        </p:txBody>
-      </p:sp>
+          <a:ln w="9525">
+            <a:noFill/>
+            <a:miter lim="800000"/>
+            <a:headEnd/>
+            <a:tailEnd/>
+          </a:ln>
+        </p:spPr>
+      </p:pic>
       <p:sp>
         <p:nvSpPr>
           <p:cNvPr id="9" name="Oval 8"/>
@@ -6406,7 +6447,7 @@
         </p:nvSpPr>
         <p:spPr>
           <a:xfrm>
-            <a:off x="6019800" y="2667000"/>
+            <a:off x="6324600" y="2438400"/>
             <a:ext cx="533400" cy="304800"/>
           </a:xfrm>
           <a:prstGeom prst="ellipse">
@@ -6452,7 +6493,7 @@
   <p:timing>
     <p:tnLst>
       <p:par>
-        <p:cTn xmlns:p14="http://schemas.microsoft.com/office/powerpoint/2010/main" id="1" dur="indefinite" restart="never" nodeType="tmRoot"/>
+        <p:cTn id="1" dur="indefinite" restart="never" nodeType="tmRoot"/>
       </p:par>
     </p:tnLst>
   </p:timing>
@@ -6476,25 +6517,52 @@
           <a:chExt cx="0" cy="0"/>
         </a:xfrm>
       </p:grpSpPr>
+      <p:sp>
+        <p:nvSpPr>
+          <p:cNvPr id="2" name="Title 1"/>
+          <p:cNvSpPr>
+            <a:spLocks noGrp="1"/>
+          </p:cNvSpPr>
+          <p:nvPr>
+            <p:ph type="title"/>
+          </p:nvPr>
+        </p:nvSpPr>
+        <p:spPr/>
+        <p:txBody>
+          <a:bodyPr>
+            <a:normAutofit/>
+          </a:bodyPr>
+          <a:lstStyle/>
+          <a:p>
+            <a:r>
+              <a:rPr lang="en-US" dirty="0" smtClean="0"/>
+              <a:t>Add New Menu Linked Item</a:t>
+            </a:r>
+            <a:endParaRPr lang="en-US" dirty="0"/>
+          </a:p>
+        </p:txBody>
+      </p:sp>
       <p:pic>
         <p:nvPicPr>
-          <p:cNvPr id="5124" name="Picture 4"/>
+          <p:cNvPr id="5122" name="Picture 2"/>
           <p:cNvPicPr>
-            <a:picLocks noChangeAspect="1" noChangeArrowheads="1"/>
+            <a:picLocks noGrp="1" noChangeAspect="1" noChangeArrowheads="1"/>
           </p:cNvPicPr>
-          <p:nvPr/>
+          <p:nvPr>
+            <p:ph sz="quarter" idx="1"/>
+          </p:nvPr>
         </p:nvPicPr>
         <p:blipFill>
           <a:blip r:embed="rId3" cstate="print"/>
-          <a:srcRect l="6076" t="11458" r="49414" b="26042"/>
+          <a:srcRect l="38641" t="30305" r="34855" b="22553"/>
           <a:stretch>
             <a:fillRect/>
           </a:stretch>
         </p:blipFill>
         <p:spPr bwMode="auto">
           <a:xfrm>
-            <a:off x="533400" y="1752600"/>
-            <a:ext cx="4632960" cy="3657600"/>
+            <a:off x="5562600" y="1828800"/>
+            <a:ext cx="3200400" cy="3200400"/>
           </a:xfrm>
           <a:prstGeom prst="rect">
             <a:avLst/>
@@ -6510,24 +6578,91 @@
       </p:pic>
       <p:sp>
         <p:nvSpPr>
-          <p:cNvPr id="2" name="Title 1"/>
-          <p:cNvSpPr>
-            <a:spLocks noGrp="1"/>
-          </p:cNvSpPr>
-          <p:nvPr>
-            <p:ph type="title"/>
-          </p:nvPr>
-        </p:nvSpPr>
-        <p:spPr/>
-        <p:txBody>
-          <a:bodyPr>
-            <a:normAutofit/>
+          <p:cNvPr id="6" name="TextBox 5"/>
+          <p:cNvSpPr txBox="1"/>
+          <p:nvPr/>
+        </p:nvSpPr>
+        <p:spPr>
+          <a:xfrm>
+            <a:off x="457200" y="5657671"/>
+            <a:ext cx="4876800" cy="1200329"/>
+          </a:xfrm>
+          <a:prstGeom prst="rect">
+            <a:avLst/>
+          </a:prstGeom>
+          <a:noFill/>
+        </p:spPr>
+        <p:txBody>
+          <a:bodyPr wrap="square" rtlCol="0">
+            <a:spAutoFit/>
           </a:bodyPr>
           <a:lstStyle/>
           <a:p>
             <a:r>
               <a:rPr lang="en-US" dirty="0" smtClean="0"/>
-              <a:t>Add New Menu Linked Item</a:t>
+              <a:t>Click on Add Item to this Menu on desired menu level</a:t>
+            </a:r>
+          </a:p>
+          <a:p>
+            <a:r>
+              <a:rPr lang="en-US" dirty="0" smtClean="0"/>
+              <a:t>(Creates a blank menu to add menu items to)</a:t>
+            </a:r>
+          </a:p>
+          <a:p>
+            <a:endParaRPr lang="en-US" dirty="0" smtClean="0"/>
+          </a:p>
+        </p:txBody>
+      </p:sp>
+      <p:sp>
+        <p:nvSpPr>
+          <p:cNvPr id="9" name="Rectangle 8"/>
+          <p:cNvSpPr/>
+          <p:nvPr/>
+        </p:nvSpPr>
+        <p:spPr>
+          <a:xfrm>
+            <a:off x="5562600" y="5181600"/>
+            <a:ext cx="3581400" cy="1200329"/>
+          </a:xfrm>
+          <a:prstGeom prst="rect">
+            <a:avLst/>
+          </a:prstGeom>
+        </p:spPr>
+        <p:txBody>
+          <a:bodyPr wrap="square">
+            <a:spAutoFit/>
+          </a:bodyPr>
+          <a:lstStyle/>
+          <a:p>
+            <a:r>
+              <a:rPr lang="en-US" dirty="0" smtClean="0"/>
+              <a:t>Type in Title</a:t>
+            </a:r>
+          </a:p>
+          <a:p>
+            <a:r>
+              <a:rPr lang="en-US" dirty="0" smtClean="0"/>
+              <a:t>Make sure </a:t>
+            </a:r>
+            <a:r>
+              <a:rPr lang="en-US" dirty="0" smtClean="0"/>
+              <a:t>“Add </a:t>
+            </a:r>
+            <a:r>
+              <a:rPr lang="en-US" dirty="0" smtClean="0"/>
+              <a:t>New Menu Linked Item is </a:t>
+            </a:r>
+            <a:r>
+              <a:rPr lang="en-US" dirty="0" smtClean="0"/>
+              <a:t>selected”</a:t>
+            </a:r>
+            <a:endParaRPr lang="en-US" dirty="0" smtClean="0"/>
+          </a:p>
+          <a:p>
+            <a:r>
+              <a:rPr lang="en-US" dirty="0" smtClean="0"/>
+              <a:t>Click Submit</a:t>
             </a:r>
             <a:endParaRPr lang="en-US" dirty="0"/>
           </a:p>
@@ -6535,25 +6670,23 @@
       </p:sp>
       <p:pic>
         <p:nvPicPr>
-          <p:cNvPr id="5122" name="Picture 2"/>
+          <p:cNvPr id="11" name="Picture 2"/>
           <p:cNvPicPr>
-            <a:picLocks noGrp="1" noChangeAspect="1" noChangeArrowheads="1"/>
+            <a:picLocks noChangeAspect="1" noChangeArrowheads="1"/>
           </p:cNvPicPr>
-          <p:nvPr>
-            <p:ph sz="quarter" idx="1"/>
-          </p:nvPr>
+          <p:nvPr/>
         </p:nvPicPr>
         <p:blipFill>
           <a:blip r:embed="rId4" cstate="print"/>
-          <a:srcRect l="38641" t="30305" r="34855" b="22553"/>
+          <a:srcRect l="5857" t="12667" r="49800" b="20833"/>
           <a:stretch>
             <a:fillRect/>
           </a:stretch>
         </p:blipFill>
         <p:spPr bwMode="auto">
           <a:xfrm>
-            <a:off x="5562600" y="1828800"/>
-            <a:ext cx="3200400" cy="3200400"/>
+            <a:off x="533400" y="1828800"/>
+            <a:ext cx="4267200" cy="3597835"/>
           </a:xfrm>
           <a:prstGeom prst="rect">
             <a:avLst/>
@@ -6569,13 +6702,13 @@
       </p:pic>
       <p:sp>
         <p:nvSpPr>
-          <p:cNvPr id="5" name="Oval 4"/>
+          <p:cNvPr id="10" name="Oval 9"/>
           <p:cNvSpPr/>
           <p:nvPr/>
         </p:nvSpPr>
         <p:spPr>
           <a:xfrm>
-            <a:off x="2819400" y="3429000"/>
+            <a:off x="533400" y="4267200"/>
             <a:ext cx="1752600" cy="533400"/>
           </a:xfrm>
           <a:prstGeom prst="ellipse">
@@ -6615,92 +6748,13 @@
       </p:sp>
       <p:sp>
         <p:nvSpPr>
-          <p:cNvPr id="6" name="TextBox 5"/>
-          <p:cNvSpPr txBox="1"/>
-          <p:nvPr/>
-        </p:nvSpPr>
-        <p:spPr>
-          <a:xfrm>
-            <a:off x="457200" y="5657671"/>
-            <a:ext cx="4876800" cy="1200329"/>
-          </a:xfrm>
-          <a:prstGeom prst="rect">
-            <a:avLst/>
-          </a:prstGeom>
-          <a:noFill/>
-        </p:spPr>
-        <p:txBody>
-          <a:bodyPr wrap="square" rtlCol="0">
-            <a:spAutoFit/>
-          </a:bodyPr>
-          <a:lstStyle/>
-          <a:p>
-            <a:r>
-              <a:rPr lang="en-US" dirty="0" smtClean="0"/>
-              <a:t>Click on Add Item to this Menu on desired menu level</a:t>
-            </a:r>
-          </a:p>
-          <a:p>
-            <a:r>
-              <a:rPr lang="en-US" dirty="0" smtClean="0"/>
-              <a:t>(Creates a blank menu to add menu items to)</a:t>
-            </a:r>
-          </a:p>
-          <a:p>
-            <a:endParaRPr lang="en-US" dirty="0" smtClean="0"/>
-          </a:p>
-        </p:txBody>
-      </p:sp>
-      <p:sp>
-        <p:nvSpPr>
-          <p:cNvPr id="9" name="Rectangle 8"/>
+          <p:cNvPr id="5" name="Oval 4"/>
           <p:cNvSpPr/>
           <p:nvPr/>
         </p:nvSpPr>
         <p:spPr>
           <a:xfrm>
-            <a:off x="5562600" y="5181600"/>
-            <a:ext cx="3581400" cy="1200329"/>
-          </a:xfrm>
-          <a:prstGeom prst="rect">
-            <a:avLst/>
-          </a:prstGeom>
-        </p:spPr>
-        <p:txBody>
-          <a:bodyPr wrap="square">
-            <a:spAutoFit/>
-          </a:bodyPr>
-          <a:lstStyle/>
-          <a:p>
-            <a:r>
-              <a:rPr lang="en-US" dirty="0" smtClean="0"/>
-              <a:t>Type in Title</a:t>
-            </a:r>
-          </a:p>
-          <a:p>
-            <a:r>
-              <a:rPr lang="en-US" dirty="0" smtClean="0"/>
-              <a:t>Make sure Add New Menu Linked Item is selected</a:t>
-            </a:r>
-          </a:p>
-          <a:p>
-            <a:r>
-              <a:rPr lang="en-US" dirty="0" smtClean="0"/>
-              <a:t>Click Submit</a:t>
-            </a:r>
-            <a:endParaRPr lang="en-US" dirty="0"/>
-          </a:p>
-        </p:txBody>
-      </p:sp>
-      <p:sp>
-        <p:nvSpPr>
-          <p:cNvPr id="10" name="Oval 9"/>
-          <p:cNvSpPr/>
-          <p:nvPr/>
-        </p:nvSpPr>
-        <p:spPr>
-          <a:xfrm>
-            <a:off x="533400" y="4419600"/>
+            <a:off x="2667000" y="3581400"/>
             <a:ext cx="1752600" cy="533400"/>
           </a:xfrm>
           <a:prstGeom prst="ellipse">
@@ -6746,7 +6800,7 @@
   <p:timing>
     <p:tnLst>
       <p:par>
-        <p:cTn xmlns:p14="http://schemas.microsoft.com/office/powerpoint/2010/main" id="1" dur="indefinite" restart="never" nodeType="tmRoot"/>
+        <p:cTn id="1" dur="indefinite" restart="never" nodeType="tmRoot"/>
       </p:par>
     </p:tnLst>
   </p:timing>
@@ -6805,25 +6859,23 @@
       </p:sp>
       <p:pic>
         <p:nvPicPr>
-          <p:cNvPr id="4" name="Picture 4"/>
+          <p:cNvPr id="6146" name="Picture 2"/>
           <p:cNvPicPr>
-            <a:picLocks noGrp="1" noChangeAspect="1" noChangeArrowheads="1"/>
+            <a:picLocks noChangeAspect="1" noChangeArrowheads="1"/>
           </p:cNvPicPr>
-          <p:nvPr>
-            <p:ph sz="quarter" idx="1"/>
-          </p:nvPr>
+          <p:nvPr/>
         </p:nvPicPr>
         <p:blipFill>
           <a:blip r:embed="rId3" cstate="print"/>
-          <a:srcRect l="6076" t="12660" r="49414" b="26042"/>
+          <a:srcRect l="41690" t="22917" r="34407" b="42708"/>
           <a:stretch>
             <a:fillRect/>
           </a:stretch>
         </p:blipFill>
         <p:spPr bwMode="auto">
           <a:xfrm>
-            <a:off x="228600" y="1752600"/>
-            <a:ext cx="5019095" cy="3886200"/>
+            <a:off x="5334000" y="2133600"/>
+            <a:ext cx="3581400" cy="2895600"/>
           </a:xfrm>
           <a:prstGeom prst="rect">
             <a:avLst/>
@@ -6837,9 +6889,119 @@
           </a:ln>
         </p:spPr>
       </p:pic>
+      <p:sp>
+        <p:nvSpPr>
+          <p:cNvPr id="8" name="Rectangle 7"/>
+          <p:cNvSpPr/>
+          <p:nvPr/>
+        </p:nvSpPr>
+        <p:spPr>
+          <a:xfrm>
+            <a:off x="304800" y="5638800"/>
+            <a:ext cx="4572000" cy="1477328"/>
+          </a:xfrm>
+          <a:prstGeom prst="rect">
+            <a:avLst/>
+          </a:prstGeom>
+        </p:spPr>
+        <p:txBody>
+          <a:bodyPr>
+            <a:spAutoFit/>
+          </a:bodyPr>
+          <a:lstStyle/>
+          <a:p>
+            <a:r>
+              <a:rPr lang="en-US" dirty="0" smtClean="0"/>
+              <a:t>Click on Add Item to this Menu on desired menu level</a:t>
+            </a:r>
+          </a:p>
+          <a:p>
+            <a:r>
+              <a:rPr lang="en-US" dirty="0" smtClean="0"/>
+              <a:t>(Creates a menu item that links to a blank </a:t>
+            </a:r>
+            <a:r>
+              <a:rPr lang="en-US" dirty="0" err="1" smtClean="0"/>
+              <a:t>endpage</a:t>
+            </a:r>
+            <a:r>
+              <a:rPr lang="en-US" dirty="0" smtClean="0"/>
+              <a:t>)</a:t>
+            </a:r>
+          </a:p>
+          <a:p>
+            <a:endParaRPr lang="en-US" dirty="0" smtClean="0"/>
+          </a:p>
+        </p:txBody>
+      </p:sp>
+      <p:sp>
+        <p:nvSpPr>
+          <p:cNvPr id="9" name="Rectangle 8"/>
+          <p:cNvSpPr/>
+          <p:nvPr/>
+        </p:nvSpPr>
+        <p:spPr>
+          <a:xfrm>
+            <a:off x="5562600" y="5410200"/>
+            <a:ext cx="3886200" cy="1200329"/>
+          </a:xfrm>
+          <a:prstGeom prst="rect">
+            <a:avLst/>
+          </a:prstGeom>
+        </p:spPr>
+        <p:txBody>
+          <a:bodyPr wrap="square">
+            <a:spAutoFit/>
+          </a:bodyPr>
+          <a:lstStyle/>
+          <a:p>
+            <a:r>
+              <a:rPr lang="en-US" dirty="0" smtClean="0"/>
+              <a:t>Type in Title</a:t>
+            </a:r>
+          </a:p>
+          <a:p>
+            <a:r>
+              <a:rPr lang="en-US" dirty="0" smtClean="0"/>
+              <a:t>Make sure </a:t>
+            </a:r>
+            <a:r>
+              <a:rPr lang="en-US" dirty="0" smtClean="0"/>
+              <a:t>“Add </a:t>
+            </a:r>
+            <a:r>
+              <a:rPr lang="en-US" dirty="0" smtClean="0"/>
+              <a:t>New </a:t>
+            </a:r>
+            <a:r>
+              <a:rPr lang="en-US" dirty="0" err="1" smtClean="0"/>
+              <a:t>Endpage</a:t>
+            </a:r>
+            <a:r>
+              <a:rPr lang="en-US" dirty="0" smtClean="0"/>
+              <a:t> Linked </a:t>
+            </a:r>
+            <a:r>
+              <a:rPr lang="en-US" dirty="0" smtClean="0"/>
+              <a:t>Item” </a:t>
+            </a:r>
+            <a:r>
+              <a:rPr lang="en-US" dirty="0" smtClean="0"/>
+              <a:t>is selected</a:t>
+            </a:r>
+          </a:p>
+          <a:p>
+            <a:r>
+              <a:rPr lang="en-US" dirty="0" smtClean="0"/>
+              <a:t>Click Submit</a:t>
+            </a:r>
+            <a:endParaRPr lang="en-US" dirty="0"/>
+          </a:p>
+        </p:txBody>
+      </p:sp>
       <p:pic>
         <p:nvPicPr>
-          <p:cNvPr id="6146" name="Picture 2"/>
+          <p:cNvPr id="11" name="Picture 2"/>
           <p:cNvPicPr>
             <a:picLocks noChangeAspect="1" noChangeArrowheads="1"/>
           </p:cNvPicPr>
@@ -6847,15 +7009,15 @@
         </p:nvPicPr>
         <p:blipFill>
           <a:blip r:embed="rId4" cstate="print"/>
-          <a:srcRect l="40996" t="22917" r="34407" b="42708"/>
+          <a:srcRect l="5857" t="12667" r="49800" b="20833"/>
           <a:stretch>
             <a:fillRect/>
           </a:stretch>
         </p:blipFill>
         <p:spPr bwMode="auto">
           <a:xfrm>
-            <a:off x="5562600" y="2133600"/>
-            <a:ext cx="3200400" cy="2514600"/>
+            <a:off x="609600" y="1752600"/>
+            <a:ext cx="4572000" cy="3854823"/>
           </a:xfrm>
           <a:prstGeom prst="rect">
             <a:avLst/>
@@ -6871,13 +7033,13 @@
       </p:pic>
       <p:sp>
         <p:nvSpPr>
-          <p:cNvPr id="6" name="Oval 5"/>
+          <p:cNvPr id="7" name="Oval 6"/>
           <p:cNvSpPr/>
           <p:nvPr/>
         </p:nvSpPr>
         <p:spPr>
           <a:xfrm>
-            <a:off x="2819400" y="3581400"/>
+            <a:off x="533400" y="4343400"/>
             <a:ext cx="1752600" cy="533400"/>
           </a:xfrm>
           <a:prstGeom prst="ellipse">
@@ -6917,13 +7079,13 @@
       </p:sp>
       <p:sp>
         <p:nvSpPr>
-          <p:cNvPr id="7" name="Oval 6"/>
+          <p:cNvPr id="6" name="Oval 5"/>
           <p:cNvSpPr/>
           <p:nvPr/>
         </p:nvSpPr>
         <p:spPr>
           <a:xfrm>
-            <a:off x="304800" y="4572000"/>
+            <a:off x="2819400" y="3733800"/>
             <a:ext cx="1752600" cy="533400"/>
           </a:xfrm>
           <a:prstGeom prst="ellipse">
@@ -6961,100 +7123,6 @@
           </a:p>
         </p:txBody>
       </p:sp>
-      <p:sp>
-        <p:nvSpPr>
-          <p:cNvPr id="8" name="Rectangle 7"/>
-          <p:cNvSpPr/>
-          <p:nvPr/>
-        </p:nvSpPr>
-        <p:spPr>
-          <a:xfrm>
-            <a:off x="304800" y="5638800"/>
-            <a:ext cx="4572000" cy="1477328"/>
-          </a:xfrm>
-          <a:prstGeom prst="rect">
-            <a:avLst/>
-          </a:prstGeom>
-        </p:spPr>
-        <p:txBody>
-          <a:bodyPr>
-            <a:spAutoFit/>
-          </a:bodyPr>
-          <a:lstStyle/>
-          <a:p>
-            <a:r>
-              <a:rPr lang="en-US" dirty="0" smtClean="0"/>
-              <a:t>Click on Add Item to this Menu on desired menu level</a:t>
-            </a:r>
-          </a:p>
-          <a:p>
-            <a:r>
-              <a:rPr lang="en-US" dirty="0" smtClean="0"/>
-              <a:t>(Creates a menu item that links to a blank </a:t>
-            </a:r>
-            <a:r>
-              <a:rPr lang="en-US" dirty="0" err="1" smtClean="0"/>
-              <a:t>endpage</a:t>
-            </a:r>
-            <a:r>
-              <a:rPr lang="en-US" dirty="0" smtClean="0"/>
-              <a:t>)</a:t>
-            </a:r>
-          </a:p>
-          <a:p>
-            <a:endParaRPr lang="en-US" dirty="0" smtClean="0"/>
-          </a:p>
-        </p:txBody>
-      </p:sp>
-      <p:sp>
-        <p:nvSpPr>
-          <p:cNvPr id="9" name="Rectangle 8"/>
-          <p:cNvSpPr/>
-          <p:nvPr/>
-        </p:nvSpPr>
-        <p:spPr>
-          <a:xfrm>
-            <a:off x="5562600" y="5410200"/>
-            <a:ext cx="3886200" cy="1200329"/>
-          </a:xfrm>
-          <a:prstGeom prst="rect">
-            <a:avLst/>
-          </a:prstGeom>
-        </p:spPr>
-        <p:txBody>
-          <a:bodyPr wrap="square">
-            <a:spAutoFit/>
-          </a:bodyPr>
-          <a:lstStyle/>
-          <a:p>
-            <a:r>
-              <a:rPr lang="en-US" dirty="0" smtClean="0"/>
-              <a:t>Type in Title</a:t>
-            </a:r>
-          </a:p>
-          <a:p>
-            <a:r>
-              <a:rPr lang="en-US" dirty="0" smtClean="0"/>
-              <a:t>Make sure Add New </a:t>
-            </a:r>
-            <a:r>
-              <a:rPr lang="en-US" dirty="0" err="1" smtClean="0"/>
-              <a:t>Endpage</a:t>
-            </a:r>
-            <a:r>
-              <a:rPr lang="en-US" dirty="0" smtClean="0"/>
-              <a:t> Linked Item is selected</a:t>
-            </a:r>
-          </a:p>
-          <a:p>
-            <a:r>
-              <a:rPr lang="en-US" dirty="0" smtClean="0"/>
-              <a:t>Click Submit</a:t>
-            </a:r>
-            <a:endParaRPr lang="en-US" dirty="0"/>
-          </a:p>
-        </p:txBody>
-      </p:sp>
     </p:spTree>
   </p:cSld>
   <p:clrMapOvr>
@@ -7063,7 +7131,7 @@
   <p:timing>
     <p:tnLst>
       <p:par>
-        <p:cTn xmlns:p14="http://schemas.microsoft.com/office/powerpoint/2010/main" id="1" dur="indefinite" restart="never" nodeType="tmRoot"/>
+        <p:cTn id="1" dur="indefinite" restart="never" nodeType="tmRoot"/>
       </p:par>
     </p:tnLst>
   </p:timing>
@@ -7095,8 +7163,8 @@
         </p:nvSpPr>
         <p:spPr>
           <a:xfrm>
-            <a:off x="5410200" y="5562600"/>
-            <a:ext cx="3886200" cy="1477328"/>
+            <a:off x="5029200" y="5657671"/>
+            <a:ext cx="4114800" cy="1200329"/>
           </a:xfrm>
           <a:prstGeom prst="rect">
             <a:avLst/>
@@ -7116,7 +7184,23 @@
           <a:p>
             <a:r>
               <a:rPr lang="en-US" dirty="0" smtClean="0"/>
-              <a:t>Make sure Use Existing Menu is selected</a:t>
+              <a:t>Make sure </a:t>
+            </a:r>
+            <a:r>
+              <a:rPr lang="en-US" dirty="0" smtClean="0"/>
+              <a:t>“Use </a:t>
+            </a:r>
+            <a:r>
+              <a:rPr lang="en-US" dirty="0" smtClean="0"/>
+              <a:t>Existing </a:t>
+            </a:r>
+            <a:r>
+              <a:rPr lang="en-US" dirty="0" smtClean="0"/>
+              <a:t>Menu” </a:t>
+            </a:r>
+            <a:r>
+              <a:rPr lang="en-US" dirty="0" smtClean="0"/>
+              <a:t>is selected</a:t>
             </a:r>
           </a:p>
           <a:p>
@@ -7157,27 +7241,83 @@
           </a:p>
         </p:txBody>
       </p:sp>
+      <p:sp>
+        <p:nvSpPr>
+          <p:cNvPr id="8" name="Rectangle 7"/>
+          <p:cNvSpPr/>
+          <p:nvPr/>
+        </p:nvSpPr>
+        <p:spPr>
+          <a:xfrm>
+            <a:off x="304800" y="5638800"/>
+            <a:ext cx="4572000" cy="646331"/>
+          </a:xfrm>
+          <a:prstGeom prst="rect">
+            <a:avLst/>
+          </a:prstGeom>
+        </p:spPr>
+        <p:txBody>
+          <a:bodyPr>
+            <a:spAutoFit/>
+          </a:bodyPr>
+          <a:lstStyle/>
+          <a:p>
+            <a:r>
+              <a:rPr lang="en-US" dirty="0" smtClean="0"/>
+              <a:t>Click on Add Item to this Menu on desired menu level</a:t>
+            </a:r>
+          </a:p>
+        </p:txBody>
+      </p:sp>
       <p:pic>
         <p:nvPicPr>
-          <p:cNvPr id="4" name="Picture 4"/>
+          <p:cNvPr id="5" name="Picture 4" descr="スクリーンショット（2011-12-02 13.47.50）.png"/>
           <p:cNvPicPr>
-            <a:picLocks noGrp="1" noChangeAspect="1" noChangeArrowheads="1"/>
+            <a:picLocks noChangeAspect="1"/>
           </p:cNvPicPr>
-          <p:nvPr>
-            <p:ph sz="quarter" idx="1"/>
-          </p:nvPr>
+          <p:nvPr/>
         </p:nvPicPr>
         <p:blipFill>
-          <a:blip r:embed="rId3" cstate="print"/>
-          <a:srcRect l="6076" t="11458" r="49414" b="26042"/>
+          <a:blip r:embed="rId3" cstate="print">
+            <a:extLst>
+              <a:ext uri="{28A0092B-C50C-407E-A947-70E740481C1C}">
+                <a14:useLocalDpi xmlns:a14="http://schemas.microsoft.com/office/drawing/2010/main" xmlns="" val="0"/>
+              </a:ext>
+            </a:extLst>
+          </a:blip>
+          <a:stretch>
+            <a:fillRect/>
+          </a:stretch>
+        </p:blipFill>
+        <p:spPr>
+          <a:xfrm>
+            <a:off x="5334000" y="1524000"/>
+            <a:ext cx="3276600" cy="3993027"/>
+          </a:xfrm>
+          <a:prstGeom prst="rect">
+            <a:avLst/>
+          </a:prstGeom>
+        </p:spPr>
+      </p:pic>
+      <p:pic>
+        <p:nvPicPr>
+          <p:cNvPr id="11" name="Picture 2"/>
+          <p:cNvPicPr>
+            <a:picLocks noChangeAspect="1" noChangeArrowheads="1"/>
+          </p:cNvPicPr>
+          <p:nvPr/>
+        </p:nvPicPr>
+        <p:blipFill>
+          <a:blip r:embed="rId4" cstate="print"/>
+          <a:srcRect l="5857" t="12667" r="49800" b="20833"/>
           <a:stretch>
             <a:fillRect/>
           </a:stretch>
         </p:blipFill>
         <p:spPr bwMode="auto">
           <a:xfrm>
-            <a:off x="304800" y="1600200"/>
-            <a:ext cx="5019095" cy="3962400"/>
+            <a:off x="533400" y="1676400"/>
+            <a:ext cx="4495800" cy="3790576"/>
           </a:xfrm>
           <a:prstGeom prst="rect">
             <a:avLst/>
@@ -7193,13 +7333,13 @@
       </p:pic>
       <p:sp>
         <p:nvSpPr>
-          <p:cNvPr id="6" name="Oval 5"/>
+          <p:cNvPr id="7" name="Oval 6"/>
           <p:cNvSpPr/>
           <p:nvPr/>
         </p:nvSpPr>
         <p:spPr>
           <a:xfrm>
-            <a:off x="2819400" y="3429000"/>
+            <a:off x="457200" y="4191000"/>
             <a:ext cx="1752600" cy="533400"/>
           </a:xfrm>
           <a:prstGeom prst="ellipse">
@@ -7239,13 +7379,13 @@
       </p:sp>
       <p:sp>
         <p:nvSpPr>
-          <p:cNvPr id="7" name="Oval 6"/>
+          <p:cNvPr id="6" name="Oval 5"/>
           <p:cNvSpPr/>
           <p:nvPr/>
         </p:nvSpPr>
         <p:spPr>
           <a:xfrm>
-            <a:off x="381000" y="4495800"/>
+            <a:off x="2667000" y="3505200"/>
             <a:ext cx="1752600" cy="533400"/>
           </a:xfrm>
           <a:prstGeom prst="ellipse">
@@ -7283,64 +7423,6 @@
           </a:p>
         </p:txBody>
       </p:sp>
-      <p:sp>
-        <p:nvSpPr>
-          <p:cNvPr id="8" name="Rectangle 7"/>
-          <p:cNvSpPr/>
-          <p:nvPr/>
-        </p:nvSpPr>
-        <p:spPr>
-          <a:xfrm>
-            <a:off x="304800" y="5638800"/>
-            <a:ext cx="4572000" cy="646331"/>
-          </a:xfrm>
-          <a:prstGeom prst="rect">
-            <a:avLst/>
-          </a:prstGeom>
-        </p:spPr>
-        <p:txBody>
-          <a:bodyPr>
-            <a:spAutoFit/>
-          </a:bodyPr>
-          <a:lstStyle/>
-          <a:p>
-            <a:r>
-              <a:rPr lang="en-US" dirty="0" smtClean="0"/>
-              <a:t>Click on Add Item to this Menu on desired menu level</a:t>
-            </a:r>
-          </a:p>
-        </p:txBody>
-      </p:sp>
-      <p:pic>
-        <p:nvPicPr>
-          <p:cNvPr id="5" name="Picture 4" descr="スクリーンショット（2011-12-02 13.47.50）.png"/>
-          <p:cNvPicPr>
-            <a:picLocks noChangeAspect="1"/>
-          </p:cNvPicPr>
-          <p:nvPr/>
-        </p:nvPicPr>
-        <p:blipFill>
-          <a:blip r:embed="rId4">
-            <a:extLst>
-              <a:ext uri="{28A0092B-C50C-407E-A947-70E740481C1C}">
-                <a14:useLocalDpi xmlns:a14="http://schemas.microsoft.com/office/drawing/2010/main" val="0"/>
-              </a:ext>
-            </a:extLst>
-          </a:blip>
-          <a:stretch>
-            <a:fillRect/>
-          </a:stretch>
-        </p:blipFill>
-        <p:spPr>
-          <a:xfrm>
-            <a:off x="5486400" y="1600200"/>
-            <a:ext cx="3276600" cy="3993027"/>
-          </a:xfrm>
-          <a:prstGeom prst="rect">
-            <a:avLst/>
-          </a:prstGeom>
-        </p:spPr>
-      </p:pic>
     </p:spTree>
   </p:cSld>
   <p:clrMapOvr>
@@ -7349,7 +7431,7 @@
   <p:timing>
     <p:tnLst>
       <p:par>
-        <p:cTn xmlns:p14="http://schemas.microsoft.com/office/powerpoint/2010/main" id="1" dur="indefinite" restart="never" nodeType="tmRoot"/>
+        <p:cTn id="1" dur="indefinite" restart="never" nodeType="tmRoot"/>
       </p:par>
     </p:tnLst>
   </p:timing>
